--- a/PowerPoint final.pptx
+++ b/PowerPoint final.pptx
@@ -313,7 +313,7 @@
           <a:p>
             <a:fld id="{505C0C42-1B5C-4566-8FE6-4951E074C4A8}" type="datetimeFigureOut">
               <a:rPr lang="en-US" smtClean="0"/>
-              <a:t>12/23/21</a:t>
+              <a:t>12/23/2021</a:t>
             </a:fld>
             <a:endParaRPr lang="en-US"/>
           </a:p>
@@ -611,7 +611,7 @@
           <a:p>
             <a:fld id="{505C0C42-1B5C-4566-8FE6-4951E074C4A8}" type="datetimeFigureOut">
               <a:rPr lang="en-US" smtClean="0"/>
-              <a:t>12/23/21</a:t>
+              <a:t>12/23/2021</a:t>
             </a:fld>
             <a:endParaRPr lang="en-US"/>
           </a:p>
@@ -803,7 +803,7 @@
           <a:p>
             <a:fld id="{505C0C42-1B5C-4566-8FE6-4951E074C4A8}" type="datetimeFigureOut">
               <a:rPr lang="en-US" smtClean="0"/>
-              <a:t>12/23/21</a:t>
+              <a:t>12/23/2021</a:t>
             </a:fld>
             <a:endParaRPr lang="en-US"/>
           </a:p>
@@ -1064,7 +1064,7 @@
           <a:p>
             <a:fld id="{505C0C42-1B5C-4566-8FE6-4951E074C4A8}" type="datetimeFigureOut">
               <a:rPr lang="en-US" smtClean="0"/>
-              <a:t>12/23/21</a:t>
+              <a:t>12/23/2021</a:t>
             </a:fld>
             <a:endParaRPr lang="en-US"/>
           </a:p>
@@ -1488,7 +1488,7 @@
           <a:p>
             <a:fld id="{505C0C42-1B5C-4566-8FE6-4951E074C4A8}" type="datetimeFigureOut">
               <a:rPr lang="en-US" smtClean="0"/>
-              <a:t>12/23/21</a:t>
+              <a:t>12/23/2021</a:t>
             </a:fld>
             <a:endParaRPr lang="en-US"/>
           </a:p>
@@ -2025,7 +2025,7 @@
           <a:p>
             <a:fld id="{505C0C42-1B5C-4566-8FE6-4951E074C4A8}" type="datetimeFigureOut">
               <a:rPr lang="en-US" smtClean="0"/>
-              <a:t>12/23/21</a:t>
+              <a:t>12/23/2021</a:t>
             </a:fld>
             <a:endParaRPr lang="en-US"/>
           </a:p>
@@ -2889,7 +2889,7 @@
           <a:p>
             <a:fld id="{505C0C42-1B5C-4566-8FE6-4951E074C4A8}" type="datetimeFigureOut">
               <a:rPr lang="en-US" smtClean="0"/>
-              <a:t>12/23/21</a:t>
+              <a:t>12/23/2021</a:t>
             </a:fld>
             <a:endParaRPr lang="en-US"/>
           </a:p>
@@ -3059,7 +3059,7 @@
           <a:p>
             <a:fld id="{505C0C42-1B5C-4566-8FE6-4951E074C4A8}" type="datetimeFigureOut">
               <a:rPr lang="en-US" smtClean="0"/>
-              <a:t>12/23/21</a:t>
+              <a:t>12/23/2021</a:t>
             </a:fld>
             <a:endParaRPr lang="en-US"/>
           </a:p>
@@ -3243,7 +3243,7 @@
           <a:p>
             <a:fld id="{505C0C42-1B5C-4566-8FE6-4951E074C4A8}" type="datetimeFigureOut">
               <a:rPr lang="en-US" smtClean="0"/>
-              <a:t>12/23/21</a:t>
+              <a:t>12/23/2021</a:t>
             </a:fld>
             <a:endParaRPr lang="en-US"/>
           </a:p>
@@ -3413,7 +3413,7 @@
           <a:p>
             <a:fld id="{505C0C42-1B5C-4566-8FE6-4951E074C4A8}" type="datetimeFigureOut">
               <a:rPr lang="en-US" smtClean="0"/>
-              <a:t>12/23/21</a:t>
+              <a:t>12/23/2021</a:t>
             </a:fld>
             <a:endParaRPr lang="en-US"/>
           </a:p>
@@ -3657,7 +3657,7 @@
           <a:p>
             <a:fld id="{505C0C42-1B5C-4566-8FE6-4951E074C4A8}" type="datetimeFigureOut">
               <a:rPr lang="en-US" smtClean="0"/>
-              <a:t>12/23/21</a:t>
+              <a:t>12/23/2021</a:t>
             </a:fld>
             <a:endParaRPr lang="en-US"/>
           </a:p>
@@ -3893,7 +3893,7 @@
           <a:p>
             <a:fld id="{505C0C42-1B5C-4566-8FE6-4951E074C4A8}" type="datetimeFigureOut">
               <a:rPr lang="en-US" smtClean="0"/>
-              <a:t>12/23/21</a:t>
+              <a:t>12/23/2021</a:t>
             </a:fld>
             <a:endParaRPr lang="en-US"/>
           </a:p>
@@ -4359,7 +4359,7 @@
           <a:p>
             <a:fld id="{505C0C42-1B5C-4566-8FE6-4951E074C4A8}" type="datetimeFigureOut">
               <a:rPr lang="en-US" smtClean="0"/>
-              <a:t>12/23/21</a:t>
+              <a:t>12/23/2021</a:t>
             </a:fld>
             <a:endParaRPr lang="en-US"/>
           </a:p>
@@ -4477,7 +4477,7 @@
           <a:p>
             <a:fld id="{505C0C42-1B5C-4566-8FE6-4951E074C4A8}" type="datetimeFigureOut">
               <a:rPr lang="en-US" smtClean="0"/>
-              <a:t>12/23/21</a:t>
+              <a:t>12/23/2021</a:t>
             </a:fld>
             <a:endParaRPr lang="en-US"/>
           </a:p>
@@ -4572,7 +4572,7 @@
           <a:p>
             <a:fld id="{505C0C42-1B5C-4566-8FE6-4951E074C4A8}" type="datetimeFigureOut">
               <a:rPr lang="en-US" smtClean="0"/>
-              <a:t>12/23/21</a:t>
+              <a:t>12/23/2021</a:t>
             </a:fld>
             <a:endParaRPr lang="en-US"/>
           </a:p>
@@ -4827,7 +4827,7 @@
           <a:p>
             <a:fld id="{505C0C42-1B5C-4566-8FE6-4951E074C4A8}" type="datetimeFigureOut">
               <a:rPr lang="en-US" smtClean="0"/>
-              <a:t>12/23/21</a:t>
+              <a:t>12/23/2021</a:t>
             </a:fld>
             <a:endParaRPr lang="en-US"/>
           </a:p>
@@ -5127,7 +5127,7 @@
           <a:p>
             <a:fld id="{505C0C42-1B5C-4566-8FE6-4951E074C4A8}" type="datetimeFigureOut">
               <a:rPr lang="en-US" smtClean="0"/>
-              <a:t>12/23/21</a:t>
+              <a:t>12/23/2021</a:t>
             </a:fld>
             <a:endParaRPr lang="en-US"/>
           </a:p>
@@ -5361,7 +5361,7 @@
           <a:p>
             <a:fld id="{505C0C42-1B5C-4566-8FE6-4951E074C4A8}" type="datetimeFigureOut">
               <a:rPr lang="en-US" smtClean="0"/>
-              <a:t>12/23/21</a:t>
+              <a:t>12/23/2021</a:t>
             </a:fld>
             <a:endParaRPr lang="en-US"/>
           </a:p>
@@ -8312,7 +8312,7 @@
           <p:nvPr/>
         </p:nvPicPr>
         <p:blipFill>
-          <a:blip r:embed="rId2">
+          <a:blip r:embed="rId2" cstate="print">
             <a:extLst>
               <a:ext uri="{28A0092B-C50C-407E-A947-70E740481C1C}">
                 <a14:useLocalDpi xmlns:a14="http://schemas.microsoft.com/office/drawing/2010/main" val="0"/>
@@ -8435,8 +8435,17 @@
               <a:rPr lang="pt-PT" sz="1700" dirty="0">
                 <a:latin typeface="Helvetica" pitchFamily="2" charset="0"/>
               </a:rPr>
-              <a:t>O tamanho do alfabeto é 63.</a:t>
-            </a:r>
+              <a:t>O tamanho do alfabeto </a:t>
+            </a:r>
+            <a:r>
+              <a:rPr lang="pt-PT" sz="1700">
+                <a:latin typeface="Helvetica" pitchFamily="2" charset="0"/>
+              </a:rPr>
+              <a:t>é 67.</a:t>
+            </a:r>
+            <a:endParaRPr lang="pt-PT" sz="1700" dirty="0">
+              <a:latin typeface="Helvetica" pitchFamily="2" charset="0"/>
+            </a:endParaRPr>
           </a:p>
           <a:p>
             <a:pPr lvl="4"/>
@@ -8594,7 +8603,7 @@
               <a:rPr lang="pt-PT" sz="1700" dirty="0">
                 <a:latin typeface="Helvetica" pitchFamily="2" charset="0"/>
               </a:rPr>
-              <a:t>O tamanho do alfabeto é 63.</a:t>
+              <a:t>O tamanho do alfabeto é 97.</a:t>
             </a:r>
           </a:p>
           <a:p>
@@ -8743,7 +8752,7 @@
               <a:rPr lang="pt-PT" sz="1800" dirty="0">
                 <a:latin typeface="Helvetica" pitchFamily="2" charset="0"/>
               </a:rPr>
-              <a:t>O tamanho do alfabeto é 63.</a:t>
+              <a:t>O tamanho do alfabeto é 64.</a:t>
             </a:r>
           </a:p>
           <a:p>

--- a/PowerPoint final.pptx
+++ b/PowerPoint final.pptx
@@ -7163,7 +7163,7 @@
               <a:rPr lang="pt-PT" sz="1700" dirty="0">
                 <a:latin typeface="Helvetica" pitchFamily="2" charset="0"/>
               </a:rPr>
-              <a:t>é um algoritmo bastante recente, usado extensivamente pela WEB, que usa diversos níveis de codificação (RLE, BW, MTF, MTF + RLE, seleção entre várias tabelas de </a:t>
+              <a:t>é um algoritmo bastante “recente”, usado extensivamente pela WEB, que usa diversos níveis de codificação (RLE, BW, MTF, MTF + RLE, seleção entre várias tabelas de </a:t>
             </a:r>
             <a:r>
               <a:rPr lang="pt-PT" sz="1700" dirty="0" err="1">
@@ -8710,7 +8710,7 @@
         </p:spPr>
         <p:txBody>
           <a:bodyPr>
-            <a:normAutofit fontScale="92500" lnSpcReduction="10000"/>
+            <a:normAutofit/>
           </a:bodyPr>
           <a:lstStyle/>
           <a:p>
@@ -8835,65 +8835,6 @@
             <a:endParaRPr lang="pt-PT" sz="1700" b="1" i="1" dirty="0">
               <a:latin typeface="Helvetica" pitchFamily="2" charset="0"/>
             </a:endParaRPr>
-          </a:p>
-          <a:p>
-            <a:pPr marL="1458000" lvl="4" indent="0">
-              <a:buNone/>
-            </a:pPr>
-            <a:endParaRPr lang="pt-PT" sz="1800" b="1" i="1" dirty="0">
-              <a:latin typeface="Helvetica" pitchFamily="2" charset="0"/>
-            </a:endParaRPr>
-          </a:p>
-          <a:p>
-            <a:pPr lvl="1"/>
-            <a:r>
-              <a:rPr lang="pt-PT" dirty="0">
-                <a:latin typeface="Helvetica" pitchFamily="2" charset="0"/>
-              </a:rPr>
-              <a:t>Para as diferentes fontes haverá uns </a:t>
-            </a:r>
-            <a:r>
-              <a:rPr lang="pt-PT" dirty="0" err="1">
-                <a:latin typeface="Helvetica" pitchFamily="2" charset="0"/>
-              </a:rPr>
-              <a:t>CODECs</a:t>
-            </a:r>
-            <a:r>
-              <a:rPr lang="pt-PT" dirty="0">
-                <a:latin typeface="Helvetica" pitchFamily="2" charset="0"/>
-              </a:rPr>
-              <a:t> melhores que outros. Logo, pretende-se encontrar o </a:t>
-            </a:r>
-            <a:r>
-              <a:rPr lang="pt-PT" b="1" dirty="0">
-                <a:latin typeface="Helvetica" pitchFamily="2" charset="0"/>
-              </a:rPr>
-              <a:t>CODEC </a:t>
-            </a:r>
-            <a:r>
-              <a:rPr lang="pt-PT" dirty="0">
-                <a:latin typeface="Helvetica" pitchFamily="2" charset="0"/>
-              </a:rPr>
-              <a:t>que seja </a:t>
-            </a:r>
-            <a:r>
-              <a:rPr lang="pt-PT" b="1" dirty="0">
-                <a:latin typeface="Helvetica" pitchFamily="2" charset="0"/>
-              </a:rPr>
-              <a:t>mais eficaz</a:t>
-            </a:r>
-            <a:r>
-              <a:rPr lang="pt-PT" dirty="0">
-                <a:latin typeface="Helvetica" pitchFamily="2" charset="0"/>
-              </a:rPr>
-              <a:t>.</a:t>
-            </a:r>
-          </a:p>
-          <a:p>
-            <a:pPr marL="36900" indent="0">
-              <a:buNone/>
-            </a:pPr>
-            <a:endParaRPr lang="pt-PT" dirty="0"/>
           </a:p>
         </p:txBody>
       </p:sp>
@@ -8925,7 +8866,7 @@
         </p:blipFill>
         <p:spPr>
           <a:xfrm>
-            <a:off x="3103147" y="2222077"/>
+            <a:off x="3103147" y="2504088"/>
             <a:ext cx="5985705" cy="3387616"/>
           </a:xfrm>
           <a:prstGeom prst="rect">
